--- a/Презентация.pptx
+++ b/Презентация.pptx
@@ -3550,7 +3550,33 @@
           <a:bodyPr/>
           <a:lstStyle/>
           <a:p>
+            <a:r>
+              <a:rPr lang="ru-RU" dirty="0" smtClean="0"/>
+              <a:t>Пользователь имеет возможность осуществлять игровой процесс</a:t>
+            </a:r>
+          </a:p>
+          <a:p>
             <a:endParaRPr lang="ru-RU" dirty="0"/>
+          </a:p>
+          <a:p>
+            <a:pPr marL="45720" indent="0">
+              <a:buNone/>
+            </a:pPr>
+            <a:r>
+              <a:rPr lang="ru-RU" dirty="0" smtClean="0"/>
+              <a:t>Возможные доработки:</a:t>
+            </a:r>
+          </a:p>
+          <a:p>
+            <a:r>
+              <a:rPr lang="ru-RU" dirty="0" smtClean="0"/>
+              <a:t>Подсчет времени, таблица рекордов</a:t>
+            </a:r>
+            <a:r>
+              <a:rPr lang="ru-RU" smtClean="0"/>
+              <a:t>, анимация</a:t>
+            </a:r>
+            <a:endParaRPr lang="ru-RU" dirty="0" smtClean="0"/>
           </a:p>
         </p:txBody>
       </p:sp>
